--- a/doc/schemas/schemas-powerpoint.pptx
+++ b/doc/schemas/schemas-powerpoint.pptx
@@ -200,7 +200,7 @@
           <a:p>
             <a:fld id="{7F7D7406-DE22-004B-9208-3874F4FD92C8}" type="datetimeFigureOut">
               <a:rPr lang="fr-FR" smtClean="0"/>
-              <a:t>12/03/2025</a:t>
+              <a:t>21/03/2025</a:t>
             </a:fld>
             <a:endParaRPr lang="fr-FR"/>
           </a:p>
@@ -782,7 +782,7 @@
           <a:p>
             <a:fld id="{69654418-AB1F-0C4E-9DA5-B40E6D406F59}" type="datetimeFigureOut">
               <a:rPr lang="fr-FR" smtClean="0"/>
-              <a:t>12/03/2025</a:t>
+              <a:t>21/03/2025</a:t>
             </a:fld>
             <a:endParaRPr lang="fr-FR"/>
           </a:p>
@@ -980,7 +980,7 @@
           <a:p>
             <a:fld id="{69654418-AB1F-0C4E-9DA5-B40E6D406F59}" type="datetimeFigureOut">
               <a:rPr lang="fr-FR" smtClean="0"/>
-              <a:t>12/03/2025</a:t>
+              <a:t>21/03/2025</a:t>
             </a:fld>
             <a:endParaRPr lang="fr-FR"/>
           </a:p>
@@ -1188,7 +1188,7 @@
           <a:p>
             <a:fld id="{69654418-AB1F-0C4E-9DA5-B40E6D406F59}" type="datetimeFigureOut">
               <a:rPr lang="fr-FR" smtClean="0"/>
-              <a:t>12/03/2025</a:t>
+              <a:t>21/03/2025</a:t>
             </a:fld>
             <a:endParaRPr lang="fr-FR"/>
           </a:p>
@@ -1386,7 +1386,7 @@
           <a:p>
             <a:fld id="{69654418-AB1F-0C4E-9DA5-B40E6D406F59}" type="datetimeFigureOut">
               <a:rPr lang="fr-FR" smtClean="0"/>
-              <a:t>12/03/2025</a:t>
+              <a:t>21/03/2025</a:t>
             </a:fld>
             <a:endParaRPr lang="fr-FR"/>
           </a:p>
@@ -1661,7 +1661,7 @@
           <a:p>
             <a:fld id="{69654418-AB1F-0C4E-9DA5-B40E6D406F59}" type="datetimeFigureOut">
               <a:rPr lang="fr-FR" smtClean="0"/>
-              <a:t>12/03/2025</a:t>
+              <a:t>21/03/2025</a:t>
             </a:fld>
             <a:endParaRPr lang="fr-FR"/>
           </a:p>
@@ -1926,7 +1926,7 @@
           <a:p>
             <a:fld id="{69654418-AB1F-0C4E-9DA5-B40E6D406F59}" type="datetimeFigureOut">
               <a:rPr lang="fr-FR" smtClean="0"/>
-              <a:t>12/03/2025</a:t>
+              <a:t>21/03/2025</a:t>
             </a:fld>
             <a:endParaRPr lang="fr-FR"/>
           </a:p>
@@ -2338,7 +2338,7 @@
           <a:p>
             <a:fld id="{69654418-AB1F-0C4E-9DA5-B40E6D406F59}" type="datetimeFigureOut">
               <a:rPr lang="fr-FR" smtClean="0"/>
-              <a:t>12/03/2025</a:t>
+              <a:t>21/03/2025</a:t>
             </a:fld>
             <a:endParaRPr lang="fr-FR"/>
           </a:p>
@@ -2479,7 +2479,7 @@
           <a:p>
             <a:fld id="{69654418-AB1F-0C4E-9DA5-B40E6D406F59}" type="datetimeFigureOut">
               <a:rPr lang="fr-FR" smtClean="0"/>
-              <a:t>12/03/2025</a:t>
+              <a:t>21/03/2025</a:t>
             </a:fld>
             <a:endParaRPr lang="fr-FR"/>
           </a:p>
@@ -2592,7 +2592,7 @@
           <a:p>
             <a:fld id="{69654418-AB1F-0C4E-9DA5-B40E6D406F59}" type="datetimeFigureOut">
               <a:rPr lang="fr-FR" smtClean="0"/>
-              <a:t>12/03/2025</a:t>
+              <a:t>21/03/2025</a:t>
             </a:fld>
             <a:endParaRPr lang="fr-FR"/>
           </a:p>
@@ -2903,7 +2903,7 @@
           <a:p>
             <a:fld id="{69654418-AB1F-0C4E-9DA5-B40E6D406F59}" type="datetimeFigureOut">
               <a:rPr lang="fr-FR" smtClean="0"/>
-              <a:t>12/03/2025</a:t>
+              <a:t>21/03/2025</a:t>
             </a:fld>
             <a:endParaRPr lang="fr-FR"/>
           </a:p>
@@ -3191,7 +3191,7 @@
           <a:p>
             <a:fld id="{69654418-AB1F-0C4E-9DA5-B40E6D406F59}" type="datetimeFigureOut">
               <a:rPr lang="fr-FR" smtClean="0"/>
-              <a:t>12/03/2025</a:t>
+              <a:t>21/03/2025</a:t>
             </a:fld>
             <a:endParaRPr lang="fr-FR"/>
           </a:p>
@@ -3432,7 +3432,7 @@
           <a:p>
             <a:fld id="{69654418-AB1F-0C4E-9DA5-B40E6D406F59}" type="datetimeFigureOut">
               <a:rPr lang="fr-FR" smtClean="0"/>
-              <a:t>12/03/2025</a:t>
+              <a:t>21/03/2025</a:t>
             </a:fld>
             <a:endParaRPr lang="fr-FR"/>
           </a:p>
